--- a/Artificial Intelligent With DataScience_Presentation.pptx
+++ b/Artificial Intelligent With DataScience_Presentation.pptx
@@ -6,11 +6,17 @@
   </p:sldMasterIdLst>
   <p:sldIdLst>
     <p:sldId id="256" r:id="rId2"/>
-    <p:sldId id="257" r:id="rId3"/>
-    <p:sldId id="258" r:id="rId4"/>
-    <p:sldId id="259" r:id="rId5"/>
-    <p:sldId id="260" r:id="rId6"/>
-    <p:sldId id="261" r:id="rId7"/>
+    <p:sldId id="266" r:id="rId3"/>
+    <p:sldId id="262" r:id="rId4"/>
+    <p:sldId id="263" r:id="rId5"/>
+    <p:sldId id="264" r:id="rId6"/>
+    <p:sldId id="265" r:id="rId7"/>
+    <p:sldId id="257" r:id="rId8"/>
+    <p:sldId id="258" r:id="rId9"/>
+    <p:sldId id="259" r:id="rId10"/>
+    <p:sldId id="260" r:id="rId11"/>
+    <p:sldId id="261" r:id="rId12"/>
+    <p:sldId id="267" r:id="rId13"/>
   </p:sldIdLst>
   <p:sldSz cx="9144000" cy="6858000" type="screen4x3"/>
   <p:notesSz cx="6858000" cy="9144000"/>
@@ -4656,6 +4662,369 @@
 </p:sld>
 </file>
 
+<file path=ppt/slides/slide10.xml><?xml version="1.0" encoding="utf-8"?>
+<p:sld xmlns:a="http://schemas.openxmlformats.org/drawingml/2006/main" xmlns:r="http://schemas.openxmlformats.org/officeDocument/2006/relationships" xmlns:p="http://schemas.openxmlformats.org/presentationml/2006/main">
+  <p:cSld>
+    <p:spTree>
+      <p:nvGrpSpPr>
+        <p:cNvPr id="1" name=""/>
+        <p:cNvGrpSpPr/>
+        <p:nvPr/>
+      </p:nvGrpSpPr>
+      <p:grpSpPr>
+        <a:xfrm>
+          <a:off x="0" y="0"/>
+          <a:ext cx="0" cy="0"/>
+          <a:chOff x="0" y="0"/>
+          <a:chExt cx="0" cy="0"/>
+        </a:xfrm>
+      </p:grpSpPr>
+      <p:sp>
+        <p:nvSpPr>
+          <p:cNvPr id="2" name="Content Placeholder 1"/>
+          <p:cNvSpPr>
+            <a:spLocks noGrp="1"/>
+          </p:cNvSpPr>
+          <p:nvPr>
+            <p:ph idx="1"/>
+          </p:nvPr>
+        </p:nvSpPr>
+        <p:spPr/>
+        <p:txBody>
+          <a:bodyPr/>
+          <a:lstStyle/>
+          <a:p>
+            <a:pPr fontAlgn="base"/>
+            <a:r>
+              <a:rPr lang="en-US" b="1" dirty="0" err="1" smtClean="0"/>
+              <a:t>Matplotlib</a:t>
+            </a:r>
+            <a:r>
+              <a:rPr lang="en-US" dirty="0" smtClean="0"/>
+              <a:t> is a Python 2D plotting library which produces publication quality figures in a variety of hard copy formats and interactive environments across platforms. </a:t>
+            </a:r>
+            <a:r>
+              <a:rPr lang="en-US" dirty="0" err="1" smtClean="0"/>
+              <a:t>Matplotlib</a:t>
+            </a:r>
+            <a:r>
+              <a:rPr lang="en-US" dirty="0" smtClean="0"/>
+              <a:t> can be used in Python scripts, the Python and </a:t>
+            </a:r>
+            <a:r>
+              <a:rPr lang="en-US" dirty="0" err="1" smtClean="0">
+                <a:hlinkClick r:id="rId2"/>
+              </a:rPr>
+              <a:t>IPython</a:t>
+            </a:r>
+            <a:r>
+              <a:rPr lang="en-US" dirty="0" smtClean="0"/>
+              <a:t> shells, the </a:t>
+            </a:r>
+            <a:r>
+              <a:rPr lang="en-US" dirty="0" err="1" smtClean="0">
+                <a:hlinkClick r:id="rId3"/>
+              </a:rPr>
+              <a:t>Jupyter</a:t>
+            </a:r>
+            <a:r>
+              <a:rPr lang="en-US" dirty="0" smtClean="0"/>
+              <a:t> notebook, web application servers, and four graphical user interface toolkits.</a:t>
+            </a:r>
+          </a:p>
+          <a:p>
+            <a:r>
+              <a:rPr lang="en-US" dirty="0" smtClean="0"/>
+              <a:t/>
+            </a:r>
+            <a:br>
+              <a:rPr lang="en-US" dirty="0" smtClean="0"/>
+            </a:br>
+            <a:endParaRPr lang="en-US" dirty="0"/>
+          </a:p>
+        </p:txBody>
+      </p:sp>
+      <p:sp>
+        <p:nvSpPr>
+          <p:cNvPr id="3" name="Title 2"/>
+          <p:cNvSpPr>
+            <a:spLocks noGrp="1"/>
+          </p:cNvSpPr>
+          <p:nvPr>
+            <p:ph type="title"/>
+          </p:nvPr>
+        </p:nvSpPr>
+        <p:spPr/>
+        <p:txBody>
+          <a:bodyPr/>
+          <a:lstStyle/>
+          <a:p>
+            <a:r>
+              <a:rPr lang="en-US" dirty="0" err="1" smtClean="0"/>
+              <a:t>Matplotlib</a:t>
+            </a:r>
+            <a:r>
+              <a:rPr lang="en-US" b="0" dirty="0" smtClean="0"/>
+              <a:t> </a:t>
+            </a:r>
+            <a:endParaRPr lang="en-US" dirty="0"/>
+          </a:p>
+        </p:txBody>
+      </p:sp>
+    </p:spTree>
+  </p:cSld>
+  <p:clrMapOvr>
+    <a:masterClrMapping/>
+  </p:clrMapOvr>
+</p:sld>
+</file>
+
+<file path=ppt/slides/slide11.xml><?xml version="1.0" encoding="utf-8"?>
+<p:sld xmlns:a="http://schemas.openxmlformats.org/drawingml/2006/main" xmlns:r="http://schemas.openxmlformats.org/officeDocument/2006/relationships" xmlns:p="http://schemas.openxmlformats.org/presentationml/2006/main">
+  <p:cSld>
+    <p:spTree>
+      <p:nvGrpSpPr>
+        <p:cNvPr id="1" name=""/>
+        <p:cNvGrpSpPr/>
+        <p:nvPr/>
+      </p:nvGrpSpPr>
+      <p:grpSpPr>
+        <a:xfrm>
+          <a:off x="0" y="0"/>
+          <a:ext cx="0" cy="0"/>
+          <a:chOff x="0" y="0"/>
+          <a:chExt cx="0" cy="0"/>
+        </a:xfrm>
+      </p:grpSpPr>
+      <p:sp>
+        <p:nvSpPr>
+          <p:cNvPr id="2" name="Content Placeholder 1"/>
+          <p:cNvSpPr>
+            <a:spLocks noGrp="1"/>
+          </p:cNvSpPr>
+          <p:nvPr>
+            <p:ph idx="1"/>
+          </p:nvPr>
+        </p:nvSpPr>
+        <p:spPr/>
+        <p:txBody>
+          <a:bodyPr/>
+          <a:lstStyle/>
+          <a:p>
+            <a:r>
+              <a:rPr lang="en-US" b="1" dirty="0" err="1" smtClean="0"/>
+              <a:t>Seaborn</a:t>
+            </a:r>
+            <a:r>
+              <a:rPr lang="en-US" b="1" dirty="0" smtClean="0"/>
+              <a:t> </a:t>
+            </a:r>
+            <a:r>
+              <a:rPr lang="en-US" dirty="0" smtClean="0"/>
+              <a:t>is a Python data visualization library based on </a:t>
+            </a:r>
+            <a:r>
+              <a:rPr lang="en-US" dirty="0" err="1" smtClean="0">
+                <a:hlinkClick r:id="rId2"/>
+              </a:rPr>
+              <a:t>matplotlib</a:t>
+            </a:r>
+            <a:r>
+              <a:rPr lang="en-US" dirty="0" smtClean="0"/>
+              <a:t>. It provides a high-level interface for drawing attractive and informative statistical graphics.</a:t>
+            </a:r>
+          </a:p>
+          <a:p>
+            <a:endParaRPr lang="en-US" dirty="0"/>
+          </a:p>
+        </p:txBody>
+      </p:sp>
+      <p:sp>
+        <p:nvSpPr>
+          <p:cNvPr id="3" name="Title 2"/>
+          <p:cNvSpPr>
+            <a:spLocks noGrp="1"/>
+          </p:cNvSpPr>
+          <p:nvPr>
+            <p:ph type="title"/>
+          </p:nvPr>
+        </p:nvSpPr>
+        <p:spPr/>
+        <p:txBody>
+          <a:bodyPr/>
+          <a:lstStyle/>
+          <a:p>
+            <a:r>
+              <a:rPr lang="en-US" dirty="0" err="1" smtClean="0"/>
+              <a:t>Seaborn</a:t>
+            </a:r>
+            <a:r>
+              <a:rPr lang="en-US" dirty="0" smtClean="0"/>
+              <a:t> </a:t>
+            </a:r>
+            <a:endParaRPr lang="en-US" dirty="0"/>
+          </a:p>
+        </p:txBody>
+      </p:sp>
+    </p:spTree>
+  </p:cSld>
+  <p:clrMapOvr>
+    <a:masterClrMapping/>
+  </p:clrMapOvr>
+</p:sld>
+</file>
+
+<file path=ppt/slides/slide12.xml><?xml version="1.0" encoding="utf-8"?>
+<p:sld xmlns:a="http://schemas.openxmlformats.org/drawingml/2006/main" xmlns:r="http://schemas.openxmlformats.org/officeDocument/2006/relationships" xmlns:p="http://schemas.openxmlformats.org/presentationml/2006/main">
+  <p:cSld>
+    <p:spTree>
+      <p:nvGrpSpPr>
+        <p:cNvPr id="1" name=""/>
+        <p:cNvGrpSpPr/>
+        <p:nvPr/>
+      </p:nvGrpSpPr>
+      <p:grpSpPr>
+        <a:xfrm>
+          <a:off x="0" y="0"/>
+          <a:ext cx="0" cy="0"/>
+          <a:chOff x="0" y="0"/>
+          <a:chExt cx="0" cy="0"/>
+        </a:xfrm>
+      </p:grpSpPr>
+      <p:sp>
+        <p:nvSpPr>
+          <p:cNvPr id="2" name="Content Placeholder 1"/>
+          <p:cNvSpPr>
+            <a:spLocks noGrp="1"/>
+          </p:cNvSpPr>
+          <p:nvPr>
+            <p:ph idx="1"/>
+          </p:nvPr>
+        </p:nvSpPr>
+        <p:spPr/>
+        <p:txBody>
+          <a:bodyPr/>
+          <a:lstStyle/>
+          <a:p>
+            <a:r>
+              <a:rPr lang="en-US" dirty="0" smtClean="0"/>
+              <a:t>It is on </a:t>
+            </a:r>
+            <a:r>
+              <a:rPr lang="en-US" dirty="0" err="1" smtClean="0"/>
+              <a:t>NumPy</a:t>
+            </a:r>
+            <a:r>
+              <a:rPr lang="en-US" dirty="0" smtClean="0"/>
+              <a:t>, </a:t>
+            </a:r>
+            <a:r>
+              <a:rPr lang="en-US" dirty="0" err="1" smtClean="0"/>
+              <a:t>SciPy</a:t>
+            </a:r>
+            <a:r>
+              <a:rPr lang="en-US" dirty="0" smtClean="0"/>
+              <a:t> and </a:t>
+            </a:r>
+            <a:r>
+              <a:rPr lang="en-US" dirty="0" err="1" smtClean="0"/>
+              <a:t>matplotlib</a:t>
+            </a:r>
+            <a:r>
+              <a:rPr lang="en-US" dirty="0" smtClean="0"/>
+              <a:t>, this library contains a lot of </a:t>
+            </a:r>
+            <a:r>
+              <a:rPr lang="en-US" dirty="0" err="1" smtClean="0"/>
+              <a:t>effiecient</a:t>
+            </a:r>
+            <a:r>
+              <a:rPr lang="en-US" dirty="0" smtClean="0"/>
+              <a:t> tools for machine </a:t>
+            </a:r>
+            <a:r>
+              <a:rPr lang="en-US" b="1" dirty="0" err="1" smtClean="0"/>
+              <a:t>learning</a:t>
+            </a:r>
+            <a:r>
+              <a:rPr lang="en-US" dirty="0" err="1" smtClean="0"/>
+              <a:t>and</a:t>
+            </a:r>
+            <a:r>
+              <a:rPr lang="en-US" dirty="0" smtClean="0"/>
+              <a:t> statistical modeling including classification, regression, clustering and dimensionality reduction. Please note that </a:t>
+            </a:r>
+            <a:r>
+              <a:rPr lang="en-US" b="1" dirty="0" err="1" smtClean="0"/>
+              <a:t>scikit</a:t>
+            </a:r>
+            <a:r>
+              <a:rPr lang="en-US" dirty="0" smtClean="0"/>
+              <a:t>-</a:t>
+            </a:r>
+            <a:r>
+              <a:rPr lang="en-US" b="1" dirty="0" smtClean="0"/>
+              <a:t>learn</a:t>
+            </a:r>
+            <a:r>
+              <a:rPr lang="en-US" dirty="0" smtClean="0"/>
+              <a:t> is </a:t>
+            </a:r>
+            <a:r>
+              <a:rPr lang="en-US" b="1" dirty="0" smtClean="0"/>
+              <a:t>used</a:t>
+            </a:r>
+            <a:r>
+              <a:rPr lang="en-US" dirty="0" smtClean="0"/>
+              <a:t> to build models.</a:t>
+            </a:r>
+            <a:endParaRPr lang="en-US" dirty="0"/>
+          </a:p>
+        </p:txBody>
+      </p:sp>
+      <p:sp>
+        <p:nvSpPr>
+          <p:cNvPr id="3" name="Title 2"/>
+          <p:cNvSpPr>
+            <a:spLocks noGrp="1"/>
+          </p:cNvSpPr>
+          <p:nvPr>
+            <p:ph type="title"/>
+          </p:nvPr>
+        </p:nvSpPr>
+        <p:spPr/>
+        <p:txBody>
+          <a:bodyPr/>
+          <a:lstStyle/>
+          <a:p>
+            <a:r>
+              <a:rPr lang="en-US" dirty="0" err="1" smtClean="0"/>
+              <a:t>Scikit</a:t>
+            </a:r>
+            <a:r>
+              <a:rPr lang="en-US" b="0" dirty="0" smtClean="0"/>
+              <a:t>-</a:t>
+            </a:r>
+            <a:r>
+              <a:rPr lang="en-US" b="0" dirty="0" smtClean="0"/>
+              <a:t>L</a:t>
+            </a:r>
+            <a:r>
+              <a:rPr lang="en-US" dirty="0" smtClean="0"/>
+              <a:t>earn</a:t>
+            </a:r>
+            <a:endParaRPr lang="en-US" dirty="0"/>
+          </a:p>
+        </p:txBody>
+      </p:sp>
+    </p:spTree>
+  </p:cSld>
+  <p:clrMapOvr>
+    <a:masterClrMapping/>
+  </p:clrMapOvr>
+</p:sld>
+</file>
+
 <file path=ppt/slides/slide2.xml><?xml version="1.0" encoding="utf-8"?>
 <p:sld xmlns:a="http://schemas.openxmlformats.org/drawingml/2006/main" xmlns:r="http://schemas.openxmlformats.org/officeDocument/2006/relationships" xmlns:p="http://schemas.openxmlformats.org/presentationml/2006/main">
   <p:cSld>
@@ -4673,106 +5042,49 @@
           <a:chExt cx="0" cy="0"/>
         </a:xfrm>
       </p:grpSpPr>
-      <p:sp>
-        <p:nvSpPr>
-          <p:cNvPr id="2" name="Content Placeholder 1"/>
-          <p:cNvSpPr>
-            <a:spLocks noGrp="1"/>
-          </p:cNvSpPr>
+      <p:pic>
+        <p:nvPicPr>
+          <p:cNvPr id="4" name="Content Placeholder 3" descr="pic.png"/>
+          <p:cNvPicPr>
+            <a:picLocks noGrp="1" noChangeAspect="1"/>
+          </p:cNvPicPr>
           <p:nvPr>
             <p:ph idx="1"/>
           </p:nvPr>
+        </p:nvPicPr>
+        <p:blipFill>
+          <a:blip r:embed="rId2"/>
+          <a:stretch>
+            <a:fillRect/>
+          </a:stretch>
+        </p:blipFill>
+        <p:spPr>
+          <a:xfrm>
+            <a:off x="1345754" y="1481138"/>
+            <a:ext cx="6452492" cy="4525962"/>
+          </a:xfrm>
+        </p:spPr>
+      </p:pic>
+      <p:sp>
+        <p:nvSpPr>
+          <p:cNvPr id="3" name="Title 2"/>
+          <p:cNvSpPr>
+            <a:spLocks noGrp="1"/>
+          </p:cNvSpPr>
+          <p:nvPr>
+            <p:ph type="title"/>
+          </p:nvPr>
         </p:nvSpPr>
         <p:spPr/>
         <p:txBody>
-          <a:bodyPr/>
+          <a:bodyPr>
+            <a:normAutofit fontScale="90000"/>
+          </a:bodyPr>
           <a:lstStyle/>
           <a:p>
-            <a:pPr>
-              <a:buNone/>
-            </a:pPr>
-            <a:r>
-              <a:rPr lang="en-US" dirty="0" smtClean="0"/>
-              <a:t>Process </a:t>
-            </a:r>
-            <a:r>
-              <a:rPr lang="en-US" dirty="0" smtClean="0"/>
-              <a:t>of </a:t>
-            </a:r>
-            <a:endParaRPr lang="en-US" dirty="0" smtClean="0"/>
-          </a:p>
-          <a:p>
-            <a:pPr>
-              <a:buNone/>
-            </a:pPr>
-            <a:r>
-              <a:rPr lang="en-US" dirty="0" smtClean="0"/>
-              <a:t>Collecting Data,</a:t>
-            </a:r>
-          </a:p>
-          <a:p>
-            <a:pPr>
-              <a:buNone/>
-            </a:pPr>
-            <a:r>
-              <a:rPr lang="en-US" dirty="0" smtClean="0"/>
-              <a:t>Cleaning Data,</a:t>
-            </a:r>
-          </a:p>
-          <a:p>
-            <a:pPr>
-              <a:buNone/>
-            </a:pPr>
-            <a:r>
-              <a:rPr lang="en-US" dirty="0" smtClean="0"/>
-              <a:t>Analyzing Data, </a:t>
-            </a:r>
-          </a:p>
-          <a:p>
-            <a:pPr>
-              <a:buNone/>
-            </a:pPr>
-            <a:r>
-              <a:rPr lang="en-US" dirty="0" smtClean="0"/>
-              <a:t>Modeling Data </a:t>
-            </a:r>
-          </a:p>
-          <a:p>
-            <a:pPr>
-              <a:buNone/>
-            </a:pPr>
-            <a:r>
-              <a:rPr lang="en-US" dirty="0" smtClean="0"/>
-              <a:t>and </a:t>
-            </a:r>
-            <a:r>
-              <a:rPr lang="en-US" dirty="0" smtClean="0"/>
-              <a:t>Visualizing Data</a:t>
-            </a:r>
-          </a:p>
-          <a:p>
-            <a:endParaRPr lang="en-US" dirty="0"/>
-          </a:p>
-        </p:txBody>
-      </p:sp>
-      <p:sp>
-        <p:nvSpPr>
-          <p:cNvPr id="3" name="Title 2"/>
-          <p:cNvSpPr>
-            <a:spLocks noGrp="1"/>
-          </p:cNvSpPr>
-          <p:nvPr>
-            <p:ph type="title"/>
-          </p:nvPr>
-        </p:nvSpPr>
-        <p:spPr/>
-        <p:txBody>
-          <a:bodyPr/>
-          <a:lstStyle/>
-          <a:p>
-            <a:r>
-              <a:rPr lang="en-US" dirty="0" smtClean="0"/>
-              <a:t>Core technique in Data Science</a:t>
+            <a:r>
+              <a:rPr lang="en-US" dirty="0" smtClean="0"/>
+              <a:t>Simple Representation(AI,ML,DL&amp;DS)</a:t>
             </a:r>
             <a:endParaRPr lang="en-US" dirty="0"/>
           </a:p>
@@ -4815,70 +5127,71 @@
         </p:nvSpPr>
         <p:spPr/>
         <p:txBody>
+          <a:bodyPr>
+            <a:normAutofit fontScale="92500"/>
+          </a:bodyPr>
+          <a:lstStyle/>
+          <a:p>
+            <a:r>
+              <a:rPr lang="en-US" dirty="0" smtClean="0"/>
+              <a:t>Artificial intelligence (AI) is therefore, based on the idea of the capability of a machine or computer program to think(reason), understand and learn like humans</a:t>
+            </a:r>
+            <a:r>
+              <a:rPr lang="en-US" dirty="0" smtClean="0"/>
+              <a:t>.</a:t>
+            </a:r>
+          </a:p>
+          <a:p>
+            <a:pPr>
+              <a:buNone/>
+            </a:pPr>
+            <a:r>
+              <a:rPr lang="en-US" i="1" dirty="0" smtClean="0"/>
+              <a:t>Example of AI</a:t>
+            </a:r>
+          </a:p>
+          <a:p>
+            <a:r>
+              <a:rPr lang="en-US" dirty="0" smtClean="0"/>
+              <a:t>if you watch a particular category of movies on Netflix for example, Netflix starts making movie suggestions to you , based on your watch pattern.</a:t>
+            </a:r>
+          </a:p>
+          <a:p>
+            <a:pPr>
+              <a:buNone/>
+            </a:pPr>
+            <a:r>
+              <a:rPr lang="en-US" dirty="0" smtClean="0"/>
+              <a:t>	How </a:t>
+            </a:r>
+            <a:r>
+              <a:rPr lang="en-US" dirty="0" smtClean="0"/>
+              <a:t>is this possible? Artificial intelligence. This is a very general example of Artificial intelligence.</a:t>
+            </a:r>
+          </a:p>
+          <a:p>
+            <a:endParaRPr lang="en-US" dirty="0"/>
+          </a:p>
+        </p:txBody>
+      </p:sp>
+      <p:sp>
+        <p:nvSpPr>
+          <p:cNvPr id="3" name="Title 2"/>
+          <p:cNvSpPr>
+            <a:spLocks noGrp="1"/>
+          </p:cNvSpPr>
+          <p:nvPr>
+            <p:ph type="title"/>
+          </p:nvPr>
+        </p:nvSpPr>
+        <p:spPr/>
+        <p:txBody>
           <a:bodyPr/>
           <a:lstStyle/>
           <a:p>
-            <a:pPr fontAlgn="base"/>
-            <a:r>
-              <a:rPr lang="en-US" b="1" dirty="0" err="1" smtClean="0"/>
-              <a:t>NumPy</a:t>
-            </a:r>
-            <a:r>
-              <a:rPr lang="en-US" dirty="0" smtClean="0"/>
-              <a:t> is the fundamental package for scientific computing with Python. It contains among other things:</a:t>
-            </a:r>
-          </a:p>
-          <a:p>
-            <a:pPr fontAlgn="base"/>
-            <a:r>
-              <a:rPr lang="en-US" dirty="0" smtClean="0"/>
-              <a:t>1. A powerful N-dimensional array object</a:t>
-            </a:r>
-          </a:p>
-          <a:p>
-            <a:pPr fontAlgn="base"/>
-            <a:r>
-              <a:rPr lang="en-US" dirty="0" smtClean="0"/>
-              <a:t>2. Sophisticated (broadcasting) functions</a:t>
-            </a:r>
-          </a:p>
-          <a:p>
-            <a:pPr fontAlgn="base"/>
-            <a:r>
-              <a:rPr lang="en-US" dirty="0" smtClean="0"/>
-              <a:t>3. Tools for integrating C/C++ and FORTRAN code</a:t>
-            </a:r>
-          </a:p>
-          <a:p>
-            <a:pPr fontAlgn="base"/>
-            <a:r>
-              <a:rPr lang="en-US" dirty="0" smtClean="0"/>
-              <a:t>4. Useful linear algebra, Fourier transform, and random number capabilities</a:t>
-            </a:r>
-          </a:p>
-          <a:p>
-            <a:endParaRPr lang="en-US" dirty="0"/>
-          </a:p>
-        </p:txBody>
-      </p:sp>
-      <p:sp>
-        <p:nvSpPr>
-          <p:cNvPr id="3" name="Title 2"/>
-          <p:cNvSpPr>
-            <a:spLocks noGrp="1"/>
-          </p:cNvSpPr>
-          <p:nvPr>
-            <p:ph type="title"/>
-          </p:nvPr>
-        </p:nvSpPr>
-        <p:spPr/>
-        <p:txBody>
-          <a:bodyPr/>
-          <a:lstStyle/>
-          <a:p>
-            <a:r>
-              <a:rPr lang="en-US" dirty="0" err="1" smtClean="0"/>
-              <a:t>NumPy</a:t>
+            <a:r>
+              <a:rPr lang="en-US" b="0" dirty="0" smtClean="0"/>
+              <a:t>Artificial intelligence</a:t>
             </a:r>
             <a:endParaRPr lang="en-US" dirty="0"/>
           </a:p>
@@ -4921,107 +5234,97 @@
         </p:nvSpPr>
         <p:spPr/>
         <p:txBody>
+          <a:bodyPr>
+            <a:normAutofit fontScale="92500" lnSpcReduction="20000"/>
+          </a:bodyPr>
+          <a:lstStyle/>
+          <a:p>
+            <a:r>
+              <a:rPr lang="en-US" dirty="0" smtClean="0"/>
+              <a:t>Artificial intelligence is very vast. Machine learning(ML) is a subset of Artificial </a:t>
+            </a:r>
+            <a:r>
+              <a:rPr lang="en-US" dirty="0" smtClean="0"/>
+              <a:t>Intelligence</a:t>
+            </a:r>
+          </a:p>
+          <a:p>
+            <a:r>
+              <a:rPr lang="en-US" dirty="0" smtClean="0"/>
+              <a:t>Machine learning(ML) is a set of statistical tools to learn from data. The nucleus of ML is in teaching computers how to learn and make predictions from data without necessarily being programmed</a:t>
+            </a:r>
+            <a:r>
+              <a:rPr lang="en-US" dirty="0" smtClean="0"/>
+              <a:t>.</a:t>
+            </a:r>
+          </a:p>
+          <a:p>
+            <a:pPr>
+              <a:buNone/>
+            </a:pPr>
+            <a:r>
+              <a:rPr lang="en-US" dirty="0" smtClean="0"/>
+              <a:t>Example of MI</a:t>
+            </a:r>
+          </a:p>
+          <a:p>
+            <a:pPr>
+              <a:buNone/>
+            </a:pPr>
+            <a:r>
+              <a:rPr lang="en-US" dirty="0" smtClean="0"/>
+              <a:t>	We </a:t>
+            </a:r>
+            <a:r>
+              <a:rPr lang="en-US" dirty="0" smtClean="0"/>
+              <a:t>all get spam mails. These are always filtered out by </a:t>
+            </a:r>
+            <a:r>
+              <a:rPr lang="en-US" dirty="0" err="1" smtClean="0"/>
+              <a:t>gmail</a:t>
+            </a:r>
+            <a:r>
+              <a:rPr lang="en-US" dirty="0" smtClean="0"/>
+              <a:t> for example. Also, mails are </a:t>
+            </a:r>
+            <a:r>
+              <a:rPr lang="en-US" dirty="0" err="1" smtClean="0"/>
+              <a:t>categorised</a:t>
+            </a:r>
+            <a:r>
+              <a:rPr lang="en-US" dirty="0" smtClean="0"/>
+              <a:t> as promotions and social, as well as other categories based on the mail service you use. How has </a:t>
+            </a:r>
+            <a:r>
+              <a:rPr lang="en-US" dirty="0" err="1" smtClean="0"/>
+              <a:t>gmail</a:t>
+            </a:r>
+            <a:r>
+              <a:rPr lang="en-US" dirty="0" smtClean="0"/>
+              <a:t> learnt to do this? Machine learning! Don’t forget ML is part of AI.</a:t>
+            </a:r>
+            <a:endParaRPr lang="en-US" dirty="0"/>
+          </a:p>
+        </p:txBody>
+      </p:sp>
+      <p:sp>
+        <p:nvSpPr>
+          <p:cNvPr id="3" name="Title 2"/>
+          <p:cNvSpPr>
+            <a:spLocks noGrp="1"/>
+          </p:cNvSpPr>
+          <p:nvPr>
+            <p:ph type="title"/>
+          </p:nvPr>
+        </p:nvSpPr>
+        <p:spPr/>
+        <p:txBody>
           <a:bodyPr/>
           <a:lstStyle/>
           <a:p>
             <a:r>
-              <a:rPr lang="en-US" b="1" dirty="0" smtClean="0"/>
-              <a:t>Pandas</a:t>
-            </a:r>
-            <a:r>
-              <a:rPr lang="en-US" i="1" dirty="0" smtClean="0"/>
-              <a:t> is for </a:t>
-            </a:r>
-            <a:r>
-              <a:rPr lang="en-US" dirty="0" smtClean="0"/>
-              <a:t>data manipulation and analysis</a:t>
-            </a:r>
-            <a:r>
-              <a:rPr lang="en-US" i="1" dirty="0" smtClean="0"/>
-              <a:t>. Pandas</a:t>
-            </a:r>
-            <a:r>
-              <a:rPr lang="en-US" dirty="0" smtClean="0"/>
-              <a:t> is an open source, BSD-licensed library providing high-performance, easy-to-use data structures and data analysis tools for the </a:t>
-            </a:r>
-            <a:r>
-              <a:rPr lang="en-US" dirty="0" smtClean="0">
-                <a:hlinkClick r:id="rId2"/>
-              </a:rPr>
-              <a:t>Python</a:t>
-            </a:r>
-            <a:r>
-              <a:rPr lang="en-US" dirty="0" smtClean="0"/>
-              <a:t> programming language. </a:t>
-            </a:r>
-            <a:r>
-              <a:rPr lang="en-US" i="1" dirty="0" smtClean="0"/>
-              <a:t>Pandas</a:t>
-            </a:r>
-            <a:r>
-              <a:rPr lang="en-US" dirty="0" smtClean="0"/>
-              <a:t> is a </a:t>
-            </a:r>
-            <a:r>
-              <a:rPr lang="en-US" dirty="0" err="1" smtClean="0">
-                <a:hlinkClick r:id="rId3"/>
-              </a:rPr>
-              <a:t>NumFOCUS</a:t>
-            </a:r>
-            <a:r>
-              <a:rPr lang="en-US" dirty="0" smtClean="0"/>
-              <a:t> sponsored project. This will help ensure the success of development of </a:t>
-            </a:r>
-            <a:r>
-              <a:rPr lang="en-US" i="1" dirty="0" smtClean="0"/>
-              <a:t>pandas</a:t>
-            </a:r>
-            <a:r>
-              <a:rPr lang="en-US" dirty="0" smtClean="0"/>
-              <a:t> as a world-class open-source project, and makes it possible to </a:t>
-            </a:r>
-            <a:r>
-              <a:rPr lang="en-US" dirty="0" smtClean="0">
-                <a:hlinkClick r:id="rId4"/>
-              </a:rPr>
-              <a:t>donate</a:t>
-            </a:r>
-            <a:r>
-              <a:rPr lang="en-US" dirty="0" smtClean="0"/>
-              <a:t> to the project.</a:t>
-            </a:r>
-          </a:p>
-          <a:p>
-            <a:endParaRPr lang="en-US" dirty="0"/>
-          </a:p>
-        </p:txBody>
-      </p:sp>
-      <p:sp>
-        <p:nvSpPr>
-          <p:cNvPr id="3" name="Title 2"/>
-          <p:cNvSpPr>
-            <a:spLocks noGrp="1"/>
-          </p:cNvSpPr>
-          <p:nvPr>
-            <p:ph type="title"/>
-          </p:nvPr>
-        </p:nvSpPr>
-        <p:spPr/>
-        <p:txBody>
-          <a:bodyPr/>
-          <a:lstStyle/>
-          <a:p>
-            <a:r>
-              <a:rPr lang="en-US" dirty="0" smtClean="0"/>
-              <a:t>Pandas</a:t>
-            </a:r>
-            <a:r>
-              <a:rPr lang="en-US" b="0" i="1" dirty="0" smtClean="0"/>
-              <a:t> </a:t>
-            </a:r>
-            <a:r>
-              <a:rPr lang="en-US" b="0" i="1" dirty="0" smtClean="0"/>
-              <a:t>	</a:t>
+              <a:rPr lang="en-US" dirty="0" smtClean="0"/>
+              <a:t>Machine Learning</a:t>
             </a:r>
             <a:endParaRPr lang="en-US" dirty="0"/>
           </a:p>
@@ -5064,81 +5367,99 @@
         </p:nvSpPr>
         <p:spPr/>
         <p:txBody>
+          <a:bodyPr>
+            <a:normAutofit fontScale="70000" lnSpcReduction="20000"/>
+          </a:bodyPr>
+          <a:lstStyle/>
+          <a:p>
+            <a:r>
+              <a:rPr lang="en-US" dirty="0" smtClean="0"/>
+              <a:t>‘Deep’ refers to many steps in this case. The output of one step is the input for another step, and this is done continuously to get a final output. All these steps are not linear. An example of a non-linear transformation is a matrix transformation</a:t>
+            </a:r>
+            <a:r>
+              <a:rPr lang="en-US" dirty="0" smtClean="0"/>
+              <a:t>.</a:t>
+            </a:r>
+          </a:p>
+          <a:p>
+            <a:r>
+              <a:rPr lang="en-US" dirty="0" smtClean="0"/>
+              <a:t>Deep learning is sometimes called deep neural networks(DNN) because it makes use of multi-layered artificial neural networks to implement deep learning</a:t>
+            </a:r>
+            <a:r>
+              <a:rPr lang="en-US" dirty="0" smtClean="0"/>
+              <a:t>.</a:t>
+            </a:r>
+          </a:p>
+          <a:p>
+            <a:r>
+              <a:rPr lang="en-US" dirty="0" smtClean="0"/>
+              <a:t>Seen a photo of a neuron from the human brain? Artificial neural networks are built similarly, with neural nodes connected like a </a:t>
+            </a:r>
+            <a:r>
+              <a:rPr lang="en-US" dirty="0" smtClean="0"/>
+              <a:t>web</a:t>
+            </a:r>
+          </a:p>
+          <a:p>
+            <a:pPr>
+              <a:buNone/>
+            </a:pPr>
+            <a:r>
+              <a:rPr lang="en-US" dirty="0" smtClean="0"/>
+              <a:t>Example of Deep Learning</a:t>
+            </a:r>
+          </a:p>
+          <a:p>
+            <a:pPr>
+              <a:buNone/>
+            </a:pPr>
+            <a:r>
+              <a:rPr lang="en-US" dirty="0" smtClean="0"/>
+              <a:t>Text to voice </a:t>
+            </a:r>
+            <a:r>
+              <a:rPr lang="en-US" dirty="0" smtClean="0"/>
+              <a:t>systems(</a:t>
+            </a:r>
+            <a:r>
+              <a:rPr lang="en-US" dirty="0" smtClean="0"/>
+              <a:t>With deep learning, systems are learning to mimic human voices to the point where it is hard to distinguish between a human and a computer voice-over</a:t>
+            </a:r>
+            <a:r>
+              <a:rPr lang="en-US" dirty="0" smtClean="0"/>
+              <a:t>)</a:t>
+            </a:r>
+          </a:p>
+          <a:p>
+            <a:r>
+              <a:rPr lang="en-US" dirty="0" smtClean="0"/>
+              <a:t>Deep learning is a subset of ML which is a subset of AI, so it is AI.</a:t>
+            </a:r>
+          </a:p>
+          <a:p>
+            <a:endParaRPr lang="en-US" dirty="0"/>
+          </a:p>
+        </p:txBody>
+      </p:sp>
+      <p:sp>
+        <p:nvSpPr>
+          <p:cNvPr id="3" name="Title 2"/>
+          <p:cNvSpPr>
+            <a:spLocks noGrp="1"/>
+          </p:cNvSpPr>
+          <p:nvPr>
+            <p:ph type="title"/>
+          </p:nvPr>
+        </p:nvSpPr>
+        <p:spPr/>
+        <p:txBody>
           <a:bodyPr/>
           <a:lstStyle/>
           <a:p>
-            <a:pPr fontAlgn="base"/>
-            <a:r>
-              <a:rPr lang="en-US" b="1" dirty="0" err="1" smtClean="0"/>
-              <a:t>Matplotlib</a:t>
-            </a:r>
-            <a:r>
-              <a:rPr lang="en-US" dirty="0" smtClean="0"/>
-              <a:t> is a Python 2D plotting library which produces publication quality figures in a variety of hard copy formats and interactive environments across platforms. </a:t>
-            </a:r>
-            <a:r>
-              <a:rPr lang="en-US" dirty="0" err="1" smtClean="0"/>
-              <a:t>Matplotlib</a:t>
-            </a:r>
-            <a:r>
-              <a:rPr lang="en-US" dirty="0" smtClean="0"/>
-              <a:t> can be used in Python scripts, the Python and </a:t>
-            </a:r>
-            <a:r>
-              <a:rPr lang="en-US" dirty="0" err="1" smtClean="0">
-                <a:hlinkClick r:id="rId2"/>
-              </a:rPr>
-              <a:t>IPython</a:t>
-            </a:r>
-            <a:r>
-              <a:rPr lang="en-US" dirty="0" smtClean="0"/>
-              <a:t> shells, the </a:t>
-            </a:r>
-            <a:r>
-              <a:rPr lang="en-US" dirty="0" err="1" smtClean="0">
-                <a:hlinkClick r:id="rId3"/>
-              </a:rPr>
-              <a:t>Jupyter</a:t>
-            </a:r>
-            <a:r>
-              <a:rPr lang="en-US" dirty="0" smtClean="0"/>
-              <a:t> notebook, web application servers, and four graphical user interface toolkits.</a:t>
-            </a:r>
-          </a:p>
-          <a:p>
-            <a:r>
-              <a:rPr lang="en-US" dirty="0" smtClean="0"/>
-              <a:t/>
-            </a:r>
-            <a:br>
-              <a:rPr lang="en-US" dirty="0" smtClean="0"/>
-            </a:br>
-            <a:endParaRPr lang="en-US" dirty="0"/>
-          </a:p>
-        </p:txBody>
-      </p:sp>
-      <p:sp>
-        <p:nvSpPr>
-          <p:cNvPr id="3" name="Title 2"/>
-          <p:cNvSpPr>
-            <a:spLocks noGrp="1"/>
-          </p:cNvSpPr>
-          <p:nvPr>
-            <p:ph type="title"/>
-          </p:nvPr>
-        </p:nvSpPr>
-        <p:spPr/>
-        <p:txBody>
-          <a:bodyPr/>
-          <a:lstStyle/>
-          <a:p>
-            <a:r>
-              <a:rPr lang="en-US" dirty="0" err="1" smtClean="0"/>
-              <a:t>Matplotlib</a:t>
-            </a:r>
-            <a:r>
-              <a:rPr lang="en-US" b="0" dirty="0" smtClean="0"/>
-              <a:t> </a:t>
+            <a:r>
+              <a:rPr lang="en-US" dirty="0" smtClean="0"/>
+              <a:t>Deep Learning</a:t>
             </a:r>
             <a:endParaRPr lang="en-US" dirty="0"/>
           </a:p>
@@ -5181,35 +5502,466 @@
         </p:nvSpPr>
         <p:spPr/>
         <p:txBody>
+          <a:bodyPr>
+            <a:normAutofit fontScale="77500" lnSpcReduction="20000"/>
+          </a:bodyPr>
+          <a:lstStyle/>
+          <a:p>
+            <a:r>
+              <a:rPr lang="en-US" dirty="0" smtClean="0"/>
+              <a:t>Data science has an intersection with artificial intelligence but is not a subset of artificial intelligence</a:t>
+            </a:r>
+            <a:r>
+              <a:rPr lang="en-US" dirty="0" smtClean="0"/>
+              <a:t>.</a:t>
+            </a:r>
+          </a:p>
+          <a:p>
+            <a:r>
+              <a:rPr lang="en-US" dirty="0" smtClean="0"/>
+              <a:t>Data science is the study of an aroused curiosity in any given field, the extraction of data from a large source of data related to the question in mind, processing data, </a:t>
+            </a:r>
+            <a:r>
+              <a:rPr lang="en-US" dirty="0" err="1" smtClean="0"/>
+              <a:t>analysing</a:t>
+            </a:r>
+            <a:r>
+              <a:rPr lang="en-US" dirty="0" smtClean="0"/>
+              <a:t> and </a:t>
+            </a:r>
+            <a:r>
+              <a:rPr lang="en-US" dirty="0" err="1" smtClean="0"/>
+              <a:t>visualising</a:t>
+            </a:r>
+            <a:r>
+              <a:rPr lang="en-US" dirty="0" smtClean="0"/>
+              <a:t> this data, so as to make meaning out of it for IT and business strategies</a:t>
+            </a:r>
+            <a:r>
+              <a:rPr lang="en-US" dirty="0" smtClean="0"/>
+              <a:t>.</a:t>
+            </a:r>
+          </a:p>
+          <a:p>
+            <a:r>
+              <a:rPr lang="en-US" dirty="0" smtClean="0"/>
+              <a:t>In simple terms, it is understanding and making sense of data. A lot of tools are used in data science. They include statistical tools, probabilistic tools, linear and metric algebra, numerical </a:t>
+            </a:r>
+            <a:r>
+              <a:rPr lang="en-US" dirty="0" err="1" smtClean="0"/>
+              <a:t>optimisation</a:t>
+            </a:r>
+            <a:r>
+              <a:rPr lang="en-US" dirty="0" smtClean="0"/>
+              <a:t> and programming</a:t>
+            </a:r>
+            <a:r>
+              <a:rPr lang="en-US" dirty="0" smtClean="0"/>
+              <a:t>.</a:t>
+            </a:r>
+          </a:p>
+          <a:p>
+            <a:pPr>
+              <a:buNone/>
+            </a:pPr>
+            <a:r>
+              <a:rPr lang="en-US" dirty="0" smtClean="0"/>
+              <a:t>Example of Data Science</a:t>
+            </a:r>
+          </a:p>
+          <a:p>
+            <a:pPr>
+              <a:buNone/>
+            </a:pPr>
+            <a:r>
+              <a:rPr lang="en-US" dirty="0" smtClean="0"/>
+              <a:t>Stock Prediction</a:t>
+            </a:r>
+            <a:endParaRPr lang="en-US" dirty="0" smtClean="0"/>
+          </a:p>
+          <a:p>
+            <a:pPr>
+              <a:buNone/>
+            </a:pPr>
+            <a:r>
+              <a:rPr lang="en-US" dirty="0" smtClean="0"/>
+              <a:t/>
+            </a:r>
+            <a:br>
+              <a:rPr lang="en-US" dirty="0" smtClean="0"/>
+            </a:br>
+            <a:endParaRPr lang="en-US" dirty="0"/>
+          </a:p>
+        </p:txBody>
+      </p:sp>
+      <p:sp>
+        <p:nvSpPr>
+          <p:cNvPr id="3" name="Title 2"/>
+          <p:cNvSpPr>
+            <a:spLocks noGrp="1"/>
+          </p:cNvSpPr>
+          <p:nvPr>
+            <p:ph type="title"/>
+          </p:nvPr>
+        </p:nvSpPr>
+        <p:spPr/>
+        <p:txBody>
           <a:bodyPr/>
           <a:lstStyle/>
           <a:p>
             <a:r>
+              <a:rPr lang="en-US" dirty="0" smtClean="0"/>
+              <a:t>Data Science</a:t>
+            </a:r>
+            <a:endParaRPr lang="en-US" dirty="0"/>
+          </a:p>
+        </p:txBody>
+      </p:sp>
+    </p:spTree>
+  </p:cSld>
+  <p:clrMapOvr>
+    <a:masterClrMapping/>
+  </p:clrMapOvr>
+</p:sld>
+</file>
+
+<file path=ppt/slides/slide7.xml><?xml version="1.0" encoding="utf-8"?>
+<p:sld xmlns:a="http://schemas.openxmlformats.org/drawingml/2006/main" xmlns:r="http://schemas.openxmlformats.org/officeDocument/2006/relationships" xmlns:p="http://schemas.openxmlformats.org/presentationml/2006/main">
+  <p:cSld>
+    <p:spTree>
+      <p:nvGrpSpPr>
+        <p:cNvPr id="1" name=""/>
+        <p:cNvGrpSpPr/>
+        <p:nvPr/>
+      </p:nvGrpSpPr>
+      <p:grpSpPr>
+        <a:xfrm>
+          <a:off x="0" y="0"/>
+          <a:ext cx="0" cy="0"/>
+          <a:chOff x="0" y="0"/>
+          <a:chExt cx="0" cy="0"/>
+        </a:xfrm>
+      </p:grpSpPr>
+      <p:sp>
+        <p:nvSpPr>
+          <p:cNvPr id="2" name="Content Placeholder 1"/>
+          <p:cNvSpPr>
+            <a:spLocks noGrp="1"/>
+          </p:cNvSpPr>
+          <p:nvPr>
+            <p:ph idx="1"/>
+          </p:nvPr>
+        </p:nvSpPr>
+        <p:spPr/>
+        <p:txBody>
+          <a:bodyPr/>
+          <a:lstStyle/>
+          <a:p>
+            <a:pPr>
+              <a:buNone/>
+            </a:pPr>
+            <a:r>
+              <a:rPr lang="en-US" dirty="0" smtClean="0"/>
+              <a:t>Process </a:t>
+            </a:r>
+            <a:r>
+              <a:rPr lang="en-US" dirty="0" smtClean="0"/>
+              <a:t>of </a:t>
+            </a:r>
+            <a:endParaRPr lang="en-US" dirty="0" smtClean="0"/>
+          </a:p>
+          <a:p>
+            <a:pPr>
+              <a:buNone/>
+            </a:pPr>
+            <a:r>
+              <a:rPr lang="en-US" dirty="0" smtClean="0"/>
+              <a:t>Collecting Data,</a:t>
+            </a:r>
+          </a:p>
+          <a:p>
+            <a:pPr>
+              <a:buNone/>
+            </a:pPr>
+            <a:r>
+              <a:rPr lang="en-US" dirty="0" smtClean="0"/>
+              <a:t>Cleaning Data,</a:t>
+            </a:r>
+          </a:p>
+          <a:p>
+            <a:pPr>
+              <a:buNone/>
+            </a:pPr>
+            <a:r>
+              <a:rPr lang="en-US" dirty="0" smtClean="0"/>
+              <a:t>Analyzing Data, </a:t>
+            </a:r>
+          </a:p>
+          <a:p>
+            <a:pPr>
+              <a:buNone/>
+            </a:pPr>
+            <a:r>
+              <a:rPr lang="en-US" dirty="0" smtClean="0"/>
+              <a:t>Modeling Data </a:t>
+            </a:r>
+          </a:p>
+          <a:p>
+            <a:pPr>
+              <a:buNone/>
+            </a:pPr>
+            <a:r>
+              <a:rPr lang="en-US" dirty="0" smtClean="0"/>
+              <a:t>and </a:t>
+            </a:r>
+            <a:r>
+              <a:rPr lang="en-US" dirty="0" smtClean="0"/>
+              <a:t>Visualizing Data</a:t>
+            </a:r>
+          </a:p>
+          <a:p>
+            <a:endParaRPr lang="en-US" dirty="0"/>
+          </a:p>
+        </p:txBody>
+      </p:sp>
+      <p:sp>
+        <p:nvSpPr>
+          <p:cNvPr id="3" name="Title 2"/>
+          <p:cNvSpPr>
+            <a:spLocks noGrp="1"/>
+          </p:cNvSpPr>
+          <p:nvPr>
+            <p:ph type="title"/>
+          </p:nvPr>
+        </p:nvSpPr>
+        <p:spPr/>
+        <p:txBody>
+          <a:bodyPr/>
+          <a:lstStyle/>
+          <a:p>
+            <a:r>
+              <a:rPr lang="en-US" dirty="0" smtClean="0"/>
+              <a:t>Core technique in Data Science</a:t>
+            </a:r>
+            <a:endParaRPr lang="en-US" dirty="0"/>
+          </a:p>
+        </p:txBody>
+      </p:sp>
+    </p:spTree>
+  </p:cSld>
+  <p:clrMapOvr>
+    <a:masterClrMapping/>
+  </p:clrMapOvr>
+</p:sld>
+</file>
+
+<file path=ppt/slides/slide8.xml><?xml version="1.0" encoding="utf-8"?>
+<p:sld xmlns:a="http://schemas.openxmlformats.org/drawingml/2006/main" xmlns:r="http://schemas.openxmlformats.org/officeDocument/2006/relationships" xmlns:p="http://schemas.openxmlformats.org/presentationml/2006/main">
+  <p:cSld>
+    <p:spTree>
+      <p:nvGrpSpPr>
+        <p:cNvPr id="1" name=""/>
+        <p:cNvGrpSpPr/>
+        <p:nvPr/>
+      </p:nvGrpSpPr>
+      <p:grpSpPr>
+        <a:xfrm>
+          <a:off x="0" y="0"/>
+          <a:ext cx="0" cy="0"/>
+          <a:chOff x="0" y="0"/>
+          <a:chExt cx="0" cy="0"/>
+        </a:xfrm>
+      </p:grpSpPr>
+      <p:sp>
+        <p:nvSpPr>
+          <p:cNvPr id="2" name="Content Placeholder 1"/>
+          <p:cNvSpPr>
+            <a:spLocks noGrp="1"/>
+          </p:cNvSpPr>
+          <p:nvPr>
+            <p:ph idx="1"/>
+          </p:nvPr>
+        </p:nvSpPr>
+        <p:spPr/>
+        <p:txBody>
+          <a:bodyPr/>
+          <a:lstStyle/>
+          <a:p>
+            <a:pPr fontAlgn="base"/>
+            <a:r>
               <a:rPr lang="en-US" b="1" dirty="0" err="1" smtClean="0"/>
-              <a:t>Seaborn</a:t>
-            </a:r>
+              <a:t>NumPy</a:t>
+            </a:r>
+            <a:r>
+              <a:rPr lang="en-US" dirty="0" smtClean="0"/>
+              <a:t> is the fundamental package for scientific computing with Python. It contains among other things:</a:t>
+            </a:r>
+          </a:p>
+          <a:p>
+            <a:pPr fontAlgn="base"/>
+            <a:r>
+              <a:rPr lang="en-US" dirty="0" smtClean="0"/>
+              <a:t>1. A powerful N-dimensional array object</a:t>
+            </a:r>
+          </a:p>
+          <a:p>
+            <a:pPr fontAlgn="base"/>
+            <a:r>
+              <a:rPr lang="en-US" dirty="0" smtClean="0"/>
+              <a:t>2. Sophisticated (broadcasting) functions</a:t>
+            </a:r>
+          </a:p>
+          <a:p>
+            <a:pPr fontAlgn="base"/>
+            <a:r>
+              <a:rPr lang="en-US" dirty="0" smtClean="0"/>
+              <a:t>3. Tools for integrating C/C++ and FORTRAN code</a:t>
+            </a:r>
+          </a:p>
+          <a:p>
+            <a:pPr fontAlgn="base"/>
+            <a:r>
+              <a:rPr lang="en-US" dirty="0" smtClean="0"/>
+              <a:t>4. Useful linear algebra, Fourier transform, and random number capabilities</a:t>
+            </a:r>
+          </a:p>
+          <a:p>
+            <a:endParaRPr lang="en-US" dirty="0"/>
+          </a:p>
+        </p:txBody>
+      </p:sp>
+      <p:sp>
+        <p:nvSpPr>
+          <p:cNvPr id="3" name="Title 2"/>
+          <p:cNvSpPr>
+            <a:spLocks noGrp="1"/>
+          </p:cNvSpPr>
+          <p:nvPr>
+            <p:ph type="title"/>
+          </p:nvPr>
+        </p:nvSpPr>
+        <p:spPr/>
+        <p:txBody>
+          <a:bodyPr/>
+          <a:lstStyle/>
+          <a:p>
+            <a:r>
+              <a:rPr lang="en-US" dirty="0" err="1" smtClean="0"/>
+              <a:t>NumPy</a:t>
+            </a:r>
+            <a:endParaRPr lang="en-US" dirty="0"/>
+          </a:p>
+        </p:txBody>
+      </p:sp>
+    </p:spTree>
+  </p:cSld>
+  <p:clrMapOvr>
+    <a:masterClrMapping/>
+  </p:clrMapOvr>
+</p:sld>
+</file>
+
+<file path=ppt/slides/slide9.xml><?xml version="1.0" encoding="utf-8"?>
+<p:sld xmlns:a="http://schemas.openxmlformats.org/drawingml/2006/main" xmlns:r="http://schemas.openxmlformats.org/officeDocument/2006/relationships" xmlns:p="http://schemas.openxmlformats.org/presentationml/2006/main">
+  <p:cSld>
+    <p:spTree>
+      <p:nvGrpSpPr>
+        <p:cNvPr id="1" name=""/>
+        <p:cNvGrpSpPr/>
+        <p:nvPr/>
+      </p:nvGrpSpPr>
+      <p:grpSpPr>
+        <a:xfrm>
+          <a:off x="0" y="0"/>
+          <a:ext cx="0" cy="0"/>
+          <a:chOff x="0" y="0"/>
+          <a:chExt cx="0" cy="0"/>
+        </a:xfrm>
+      </p:grpSpPr>
+      <p:sp>
+        <p:nvSpPr>
+          <p:cNvPr id="2" name="Content Placeholder 1"/>
+          <p:cNvSpPr>
+            <a:spLocks noGrp="1"/>
+          </p:cNvSpPr>
+          <p:nvPr>
+            <p:ph idx="1"/>
+          </p:nvPr>
+        </p:nvSpPr>
+        <p:spPr/>
+        <p:txBody>
+          <a:bodyPr/>
+          <a:lstStyle/>
+          <a:p>
             <a:r>
               <a:rPr lang="en-US" b="1" dirty="0" smtClean="0"/>
-              <a:t> </a:t>
-            </a:r>
-            <a:r>
-              <a:rPr lang="en-US" dirty="0" smtClean="0"/>
-              <a:t>is a Python data visualization library based on </a:t>
-            </a:r>
-            <a:r>
-              <a:rPr lang="en-US" dirty="0" err="1" smtClean="0">
+              <a:t>Pandas</a:t>
+            </a:r>
+            <a:r>
+              <a:rPr lang="en-US" i="1" dirty="0" smtClean="0"/>
+              <a:t> is for </a:t>
+            </a:r>
+            <a:r>
+              <a:rPr lang="en-US" dirty="0" smtClean="0"/>
+              <a:t>data manipulation and analysis</a:t>
+            </a:r>
+            <a:r>
+              <a:rPr lang="en-US" i="1" dirty="0" smtClean="0"/>
+              <a:t>. Pandas</a:t>
+            </a:r>
+            <a:r>
+              <a:rPr lang="en-US" dirty="0" smtClean="0"/>
+              <a:t> is an open source, BSD-licensed library providing high-performance, easy-to-use data structures and data analysis tools for the </a:t>
+            </a:r>
+            <a:r>
+              <a:rPr lang="en-US" dirty="0" smtClean="0">
                 <a:hlinkClick r:id="rId2"/>
               </a:rPr>
-              <a:t>matplotlib</a:t>
-            </a:r>
-            <a:r>
-              <a:rPr lang="en-US" dirty="0" smtClean="0"/>
-              <a:t>. It provides a high-level interface for drawing attractive and informative statistical graphics.</a:t>
-            </a:r>
-            <a:endParaRPr lang="en-US" smtClean="0"/>
-          </a:p>
-          <a:p>
-            <a:endParaRPr lang="en-US"/>
+              <a:t>Python</a:t>
+            </a:r>
+            <a:r>
+              <a:rPr lang="en-US" dirty="0" smtClean="0"/>
+              <a:t> programming language. </a:t>
+            </a:r>
+            <a:r>
+              <a:rPr lang="en-US" i="1" dirty="0" smtClean="0"/>
+              <a:t>Pandas</a:t>
+            </a:r>
+            <a:r>
+              <a:rPr lang="en-US" dirty="0" smtClean="0"/>
+              <a:t> is a </a:t>
+            </a:r>
+            <a:r>
+              <a:rPr lang="en-US" dirty="0" err="1" smtClean="0">
+                <a:hlinkClick r:id="rId3"/>
+              </a:rPr>
+              <a:t>NumFOCUS</a:t>
+            </a:r>
+            <a:r>
+              <a:rPr lang="en-US" dirty="0" smtClean="0"/>
+              <a:t> sponsored project. This will help ensure the success of development of </a:t>
+            </a:r>
+            <a:r>
+              <a:rPr lang="en-US" i="1" dirty="0" smtClean="0"/>
+              <a:t>pandas</a:t>
+            </a:r>
+            <a:r>
+              <a:rPr lang="en-US" dirty="0" smtClean="0"/>
+              <a:t> as a world-class open-source project, and makes it possible to </a:t>
+            </a:r>
+            <a:r>
+              <a:rPr lang="en-US" dirty="0" smtClean="0">
+                <a:hlinkClick r:id="rId4"/>
+              </a:rPr>
+              <a:t>donate</a:t>
+            </a:r>
+            <a:r>
+              <a:rPr lang="en-US" dirty="0" smtClean="0"/>
+              <a:t> to the project.</a:t>
+            </a:r>
+          </a:p>
+          <a:p>
+            <a:endParaRPr lang="en-US" dirty="0"/>
           </a:p>
         </p:txBody>
       </p:sp>
@@ -5229,12 +5981,16 @@
           <a:lstStyle/>
           <a:p>
             <a:r>
-              <a:rPr lang="en-US" dirty="0" err="1" smtClean="0"/>
-              <a:t>Seaborn</a:t>
-            </a:r>
-            <a:r>
-              <a:rPr lang="en-US" dirty="0" smtClean="0"/>
+              <a:rPr lang="en-US" dirty="0" smtClean="0"/>
+              <a:t>Pandas</a:t>
+            </a:r>
+            <a:r>
+              <a:rPr lang="en-US" b="0" i="1" dirty="0" smtClean="0"/>
               <a:t> </a:t>
+            </a:r>
+            <a:r>
+              <a:rPr lang="en-US" b="0" i="1" dirty="0" smtClean="0"/>
+              <a:t>	</a:t>
             </a:r>
             <a:endParaRPr lang="en-US" dirty="0"/>
           </a:p>
